--- a/Video-based parking spot detection using machine learning.pptx
+++ b/Video-based parking spot detection using machine learning.pptx
@@ -120,6 +120,11 @@
       </a:defRPr>
     </a:lvl9pPr>
   </p:defaultTextStyle>
+  <p:extLst>
+    <p:ext uri="{EFAFB233-063F-42B5-8137-9DF3F51BA10A}">
+      <p15:sldGuideLst xmlns:p15="http://schemas.microsoft.com/office/powerpoint/2012/main"/>
+    </p:ext>
+  </p:extLst>
 </p:presentation>
 </file>
 
@@ -22943,14 +22948,14 @@
             <p:ph idx="1"/>
             <p:extLst>
               <p:ext uri="{D42A27DB-BD31-4B8C-83A1-F6EECF244321}">
-                <p14:modId xmlns:p14="http://schemas.microsoft.com/office/powerpoint/2010/main" val="351825787"/>
+                <p14:modId xmlns:p14="http://schemas.microsoft.com/office/powerpoint/2010/main" val="3059341204"/>
               </p:ext>
             </p:extLst>
           </p:nvPr>
         </p:nvGraphicFramePr>
         <p:xfrm>
           <a:off x="704900" y="2807652"/>
-          <a:ext cx="10782200" cy="1913255"/>
+          <a:ext cx="10782200" cy="1908175"/>
         </p:xfrm>
         <a:graphic>
           <a:graphicData uri="http://schemas.openxmlformats.org/drawingml/2006/table">
@@ -23834,7 +23839,7 @@
                   </a:ext>
                 </a:extLst>
               </a:tr>
-              <a:tr h="370840">
+              <a:tr h="258665">
                 <a:tc>
                   <a:txBody>
                     <a:bodyPr/>
@@ -23906,7 +23911,7 @@
                             </a:schemeClr>
                           </a:solidFill>
                         </a:rPr>
-                        <a:t>0.74</a:t>
+                        <a:t>0.79</a:t>
                       </a:r>
                     </a:p>
                   </a:txBody>
@@ -23963,7 +23968,7 @@
                             </a:schemeClr>
                           </a:solidFill>
                         </a:rPr>
-                        <a:t>0.90</a:t>
+                        <a:t>0.87</a:t>
                       </a:r>
                     </a:p>
                   </a:txBody>
@@ -24020,7 +24025,7 @@
                             </a:schemeClr>
                           </a:solidFill>
                         </a:rPr>
-                        <a:t>0.72</a:t>
+                        <a:t>0.75</a:t>
                       </a:r>
                     </a:p>
                   </a:txBody>
@@ -24077,7 +24082,7 @@
                             </a:schemeClr>
                           </a:solidFill>
                         </a:rPr>
-                        <a:t>0.68</a:t>
+                        <a:t>0.70</a:t>
                       </a:r>
                     </a:p>
                   </a:txBody>
@@ -24134,7 +24139,7 @@
                             </a:schemeClr>
                           </a:solidFill>
                         </a:rPr>
-                        <a:t>0.91</a:t>
+                        <a:t>0.85</a:t>
                       </a:r>
                     </a:p>
                   </a:txBody>
